--- a/powerpoint/2_Getting_connected.pptx
+++ b/powerpoint/2_Getting_connected.pptx
@@ -266,7 +266,7 @@
           <a:p>
             <a:fld id="{A533EB26-2E25-4466-BA1F-4ED20A958A47}" type="datetimeFigureOut">
               <a:rPr lang="en-GB" smtClean="0"/>
-              <a:t>22/02/2021</a:t>
+              <a:t>01/03/2021</a:t>
             </a:fld>
             <a:endParaRPr lang="en-GB"/>
           </a:p>
@@ -466,7 +466,7 @@
           <a:p>
             <a:fld id="{A533EB26-2E25-4466-BA1F-4ED20A958A47}" type="datetimeFigureOut">
               <a:rPr lang="en-GB" smtClean="0"/>
-              <a:t>22/02/2021</a:t>
+              <a:t>01/03/2021</a:t>
             </a:fld>
             <a:endParaRPr lang="en-GB"/>
           </a:p>
@@ -676,7 +676,7 @@
           <a:p>
             <a:fld id="{A533EB26-2E25-4466-BA1F-4ED20A958A47}" type="datetimeFigureOut">
               <a:rPr lang="en-GB" smtClean="0"/>
-              <a:t>22/02/2021</a:t>
+              <a:t>01/03/2021</a:t>
             </a:fld>
             <a:endParaRPr lang="en-GB"/>
           </a:p>
@@ -876,7 +876,7 @@
           <a:p>
             <a:fld id="{A533EB26-2E25-4466-BA1F-4ED20A958A47}" type="datetimeFigureOut">
               <a:rPr lang="en-GB" smtClean="0"/>
-              <a:t>22/02/2021</a:t>
+              <a:t>01/03/2021</a:t>
             </a:fld>
             <a:endParaRPr lang="en-GB"/>
           </a:p>
@@ -1152,7 +1152,7 @@
           <a:p>
             <a:fld id="{A533EB26-2E25-4466-BA1F-4ED20A958A47}" type="datetimeFigureOut">
               <a:rPr lang="en-GB" smtClean="0"/>
-              <a:t>22/02/2021</a:t>
+              <a:t>01/03/2021</a:t>
             </a:fld>
             <a:endParaRPr lang="en-GB"/>
           </a:p>
@@ -1420,7 +1420,7 @@
           <a:p>
             <a:fld id="{A533EB26-2E25-4466-BA1F-4ED20A958A47}" type="datetimeFigureOut">
               <a:rPr lang="en-GB" smtClean="0"/>
-              <a:t>22/02/2021</a:t>
+              <a:t>01/03/2021</a:t>
             </a:fld>
             <a:endParaRPr lang="en-GB"/>
           </a:p>
@@ -1835,7 +1835,7 @@
           <a:p>
             <a:fld id="{A533EB26-2E25-4466-BA1F-4ED20A958A47}" type="datetimeFigureOut">
               <a:rPr lang="en-GB" smtClean="0"/>
-              <a:t>22/02/2021</a:t>
+              <a:t>01/03/2021</a:t>
             </a:fld>
             <a:endParaRPr lang="en-GB"/>
           </a:p>
@@ -1977,7 +1977,7 @@
           <a:p>
             <a:fld id="{A533EB26-2E25-4466-BA1F-4ED20A958A47}" type="datetimeFigureOut">
               <a:rPr lang="en-GB" smtClean="0"/>
-              <a:t>22/02/2021</a:t>
+              <a:t>01/03/2021</a:t>
             </a:fld>
             <a:endParaRPr lang="en-GB"/>
           </a:p>
@@ -2090,7 +2090,7 @@
           <a:p>
             <a:fld id="{A533EB26-2E25-4466-BA1F-4ED20A958A47}" type="datetimeFigureOut">
               <a:rPr lang="en-GB" smtClean="0"/>
-              <a:t>22/02/2021</a:t>
+              <a:t>01/03/2021</a:t>
             </a:fld>
             <a:endParaRPr lang="en-GB"/>
           </a:p>
@@ -2403,7 +2403,7 @@
           <a:p>
             <a:fld id="{A533EB26-2E25-4466-BA1F-4ED20A958A47}" type="datetimeFigureOut">
               <a:rPr lang="en-GB" smtClean="0"/>
-              <a:t>22/02/2021</a:t>
+              <a:t>01/03/2021</a:t>
             </a:fld>
             <a:endParaRPr lang="en-GB"/>
           </a:p>
@@ -2692,7 +2692,7 @@
           <a:p>
             <a:fld id="{A533EB26-2E25-4466-BA1F-4ED20A958A47}" type="datetimeFigureOut">
               <a:rPr lang="en-GB" smtClean="0"/>
-              <a:t>22/02/2021</a:t>
+              <a:t>01/03/2021</a:t>
             </a:fld>
             <a:endParaRPr lang="en-GB"/>
           </a:p>
@@ -2935,7 +2935,7 @@
           <a:p>
             <a:fld id="{A533EB26-2E25-4466-BA1F-4ED20A958A47}" type="datetimeFigureOut">
               <a:rPr lang="en-GB" smtClean="0"/>
-              <a:t>22/02/2021</a:t>
+              <a:t>01/03/2021</a:t>
             </a:fld>
             <a:endParaRPr lang="en-GB"/>
           </a:p>
@@ -4621,7 +4621,7 @@
             </a:r>
             <a:r>
               <a:rPr lang="fr-FR" b="1" dirty="0" err="1"/>
-              <a:t>beofre</a:t>
+              <a:t>before</a:t>
             </a:r>
             <a:r>
               <a:rPr lang="fr-FR" b="1" dirty="0"/>

--- a/powerpoint/2_Getting_connected.pptx
+++ b/powerpoint/2_Getting_connected.pptx
@@ -266,7 +266,7 @@
           <a:p>
             <a:fld id="{A533EB26-2E25-4466-BA1F-4ED20A958A47}" type="datetimeFigureOut">
               <a:rPr lang="en-GB" smtClean="0"/>
-              <a:t>01/03/2021</a:t>
+              <a:t>10/03/2021</a:t>
             </a:fld>
             <a:endParaRPr lang="en-GB"/>
           </a:p>
@@ -466,7 +466,7 @@
           <a:p>
             <a:fld id="{A533EB26-2E25-4466-BA1F-4ED20A958A47}" type="datetimeFigureOut">
               <a:rPr lang="en-GB" smtClean="0"/>
-              <a:t>01/03/2021</a:t>
+              <a:t>10/03/2021</a:t>
             </a:fld>
             <a:endParaRPr lang="en-GB"/>
           </a:p>
@@ -676,7 +676,7 @@
           <a:p>
             <a:fld id="{A533EB26-2E25-4466-BA1F-4ED20A958A47}" type="datetimeFigureOut">
               <a:rPr lang="en-GB" smtClean="0"/>
-              <a:t>01/03/2021</a:t>
+              <a:t>10/03/2021</a:t>
             </a:fld>
             <a:endParaRPr lang="en-GB"/>
           </a:p>
@@ -876,7 +876,7 @@
           <a:p>
             <a:fld id="{A533EB26-2E25-4466-BA1F-4ED20A958A47}" type="datetimeFigureOut">
               <a:rPr lang="en-GB" smtClean="0"/>
-              <a:t>01/03/2021</a:t>
+              <a:t>10/03/2021</a:t>
             </a:fld>
             <a:endParaRPr lang="en-GB"/>
           </a:p>
@@ -1152,7 +1152,7 @@
           <a:p>
             <a:fld id="{A533EB26-2E25-4466-BA1F-4ED20A958A47}" type="datetimeFigureOut">
               <a:rPr lang="en-GB" smtClean="0"/>
-              <a:t>01/03/2021</a:t>
+              <a:t>10/03/2021</a:t>
             </a:fld>
             <a:endParaRPr lang="en-GB"/>
           </a:p>
@@ -1420,7 +1420,7 @@
           <a:p>
             <a:fld id="{A533EB26-2E25-4466-BA1F-4ED20A958A47}" type="datetimeFigureOut">
               <a:rPr lang="en-GB" smtClean="0"/>
-              <a:t>01/03/2021</a:t>
+              <a:t>10/03/2021</a:t>
             </a:fld>
             <a:endParaRPr lang="en-GB"/>
           </a:p>
@@ -1835,7 +1835,7 @@
           <a:p>
             <a:fld id="{A533EB26-2E25-4466-BA1F-4ED20A958A47}" type="datetimeFigureOut">
               <a:rPr lang="en-GB" smtClean="0"/>
-              <a:t>01/03/2021</a:t>
+              <a:t>10/03/2021</a:t>
             </a:fld>
             <a:endParaRPr lang="en-GB"/>
           </a:p>
@@ -1977,7 +1977,7 @@
           <a:p>
             <a:fld id="{A533EB26-2E25-4466-BA1F-4ED20A958A47}" type="datetimeFigureOut">
               <a:rPr lang="en-GB" smtClean="0"/>
-              <a:t>01/03/2021</a:t>
+              <a:t>10/03/2021</a:t>
             </a:fld>
             <a:endParaRPr lang="en-GB"/>
           </a:p>
@@ -2090,7 +2090,7 @@
           <a:p>
             <a:fld id="{A533EB26-2E25-4466-BA1F-4ED20A958A47}" type="datetimeFigureOut">
               <a:rPr lang="en-GB" smtClean="0"/>
-              <a:t>01/03/2021</a:t>
+              <a:t>10/03/2021</a:t>
             </a:fld>
             <a:endParaRPr lang="en-GB"/>
           </a:p>
@@ -2403,7 +2403,7 @@
           <a:p>
             <a:fld id="{A533EB26-2E25-4466-BA1F-4ED20A958A47}" type="datetimeFigureOut">
               <a:rPr lang="en-GB" smtClean="0"/>
-              <a:t>01/03/2021</a:t>
+              <a:t>10/03/2021</a:t>
             </a:fld>
             <a:endParaRPr lang="en-GB"/>
           </a:p>
@@ -2692,7 +2692,7 @@
           <a:p>
             <a:fld id="{A533EB26-2E25-4466-BA1F-4ED20A958A47}" type="datetimeFigureOut">
               <a:rPr lang="en-GB" smtClean="0"/>
-              <a:t>01/03/2021</a:t>
+              <a:t>10/03/2021</a:t>
             </a:fld>
             <a:endParaRPr lang="en-GB"/>
           </a:p>
@@ -2935,7 +2935,7 @@
           <a:p>
             <a:fld id="{A533EB26-2E25-4466-BA1F-4ED20A958A47}" type="datetimeFigureOut">
               <a:rPr lang="en-GB" smtClean="0"/>
-              <a:t>01/03/2021</a:t>
+              <a:t>10/03/2021</a:t>
             </a:fld>
             <a:endParaRPr lang="en-GB"/>
           </a:p>
@@ -4595,64 +4595,6 @@
               </a:solidFill>
             </a:endParaRPr>
           </a:p>
-          <a:p>
-            <a:pPr marL="0" indent="0">
-              <a:buNone/>
-            </a:pPr>
-            <a:r>
-              <a:rPr lang="fr-FR" b="1" dirty="0"/>
-              <a:t>You </a:t>
-            </a:r>
-            <a:r>
-              <a:rPr lang="fr-FR" b="1" dirty="0" err="1"/>
-              <a:t>should</a:t>
-            </a:r>
-            <a:r>
-              <a:rPr lang="fr-FR" b="1" dirty="0"/>
-              <a:t> all have </a:t>
-            </a:r>
-            <a:r>
-              <a:rPr lang="fr-FR" b="1" dirty="0" err="1"/>
-              <a:t>connected</a:t>
-            </a:r>
-            <a:r>
-              <a:rPr lang="fr-FR" b="1" dirty="0"/>
-              <a:t> </a:t>
-            </a:r>
-            <a:r>
-              <a:rPr lang="fr-FR" b="1" dirty="0" err="1"/>
-              <a:t>before</a:t>
-            </a:r>
-            <a:r>
-              <a:rPr lang="fr-FR" b="1" dirty="0"/>
-              <a:t>, </a:t>
-            </a:r>
-            <a:r>
-              <a:rPr lang="fr-FR" b="1" dirty="0" err="1"/>
-              <a:t>so</a:t>
-            </a:r>
-            <a:r>
-              <a:rPr lang="fr-FR" b="1" dirty="0"/>
-              <a:t> </a:t>
-            </a:r>
-            <a:r>
-              <a:rPr lang="fr-FR" b="1" dirty="0" err="1"/>
-              <a:t>we</a:t>
-            </a:r>
-            <a:r>
-              <a:rPr lang="fr-FR" b="1" dirty="0"/>
-              <a:t> can end part session </a:t>
-            </a:r>
-            <a:r>
-              <a:rPr lang="fr-FR" b="1" dirty="0" err="1"/>
-              <a:t>here</a:t>
-            </a:r>
-            <a:r>
-              <a:rPr lang="fr-FR" b="1" dirty="0"/>
-              <a:t>. </a:t>
-            </a:r>
-            <a:endParaRPr lang="en-US" b="1" dirty="0"/>
-          </a:p>
         </p:txBody>
       </p:sp>
     </p:spTree>

--- a/powerpoint/2_Getting_connected.pptx
+++ b/powerpoint/2_Getting_connected.pptx
@@ -266,7 +266,7 @@
           <a:p>
             <a:fld id="{A533EB26-2E25-4466-BA1F-4ED20A958A47}" type="datetimeFigureOut">
               <a:rPr lang="en-GB" smtClean="0"/>
-              <a:t>10/03/2021</a:t>
+              <a:t>10/03/2022</a:t>
             </a:fld>
             <a:endParaRPr lang="en-GB"/>
           </a:p>
@@ -466,7 +466,7 @@
           <a:p>
             <a:fld id="{A533EB26-2E25-4466-BA1F-4ED20A958A47}" type="datetimeFigureOut">
               <a:rPr lang="en-GB" smtClean="0"/>
-              <a:t>10/03/2021</a:t>
+              <a:t>10/03/2022</a:t>
             </a:fld>
             <a:endParaRPr lang="en-GB"/>
           </a:p>
@@ -676,7 +676,7 @@
           <a:p>
             <a:fld id="{A533EB26-2E25-4466-BA1F-4ED20A958A47}" type="datetimeFigureOut">
               <a:rPr lang="en-GB" smtClean="0"/>
-              <a:t>10/03/2021</a:t>
+              <a:t>10/03/2022</a:t>
             </a:fld>
             <a:endParaRPr lang="en-GB"/>
           </a:p>
@@ -876,7 +876,7 @@
           <a:p>
             <a:fld id="{A533EB26-2E25-4466-BA1F-4ED20A958A47}" type="datetimeFigureOut">
               <a:rPr lang="en-GB" smtClean="0"/>
-              <a:t>10/03/2021</a:t>
+              <a:t>10/03/2022</a:t>
             </a:fld>
             <a:endParaRPr lang="en-GB"/>
           </a:p>
@@ -1152,7 +1152,7 @@
           <a:p>
             <a:fld id="{A533EB26-2E25-4466-BA1F-4ED20A958A47}" type="datetimeFigureOut">
               <a:rPr lang="en-GB" smtClean="0"/>
-              <a:t>10/03/2021</a:t>
+              <a:t>10/03/2022</a:t>
             </a:fld>
             <a:endParaRPr lang="en-GB"/>
           </a:p>
@@ -1420,7 +1420,7 @@
           <a:p>
             <a:fld id="{A533EB26-2E25-4466-BA1F-4ED20A958A47}" type="datetimeFigureOut">
               <a:rPr lang="en-GB" smtClean="0"/>
-              <a:t>10/03/2021</a:t>
+              <a:t>10/03/2022</a:t>
             </a:fld>
             <a:endParaRPr lang="en-GB"/>
           </a:p>
@@ -1835,7 +1835,7 @@
           <a:p>
             <a:fld id="{A533EB26-2E25-4466-BA1F-4ED20A958A47}" type="datetimeFigureOut">
               <a:rPr lang="en-GB" smtClean="0"/>
-              <a:t>10/03/2021</a:t>
+              <a:t>10/03/2022</a:t>
             </a:fld>
             <a:endParaRPr lang="en-GB"/>
           </a:p>
@@ -1977,7 +1977,7 @@
           <a:p>
             <a:fld id="{A533EB26-2E25-4466-BA1F-4ED20A958A47}" type="datetimeFigureOut">
               <a:rPr lang="en-GB" smtClean="0"/>
-              <a:t>10/03/2021</a:t>
+              <a:t>10/03/2022</a:t>
             </a:fld>
             <a:endParaRPr lang="en-GB"/>
           </a:p>
@@ -2090,7 +2090,7 @@
           <a:p>
             <a:fld id="{A533EB26-2E25-4466-BA1F-4ED20A958A47}" type="datetimeFigureOut">
               <a:rPr lang="en-GB" smtClean="0"/>
-              <a:t>10/03/2021</a:t>
+              <a:t>10/03/2022</a:t>
             </a:fld>
             <a:endParaRPr lang="en-GB"/>
           </a:p>
@@ -2403,7 +2403,7 @@
           <a:p>
             <a:fld id="{A533EB26-2E25-4466-BA1F-4ED20A958A47}" type="datetimeFigureOut">
               <a:rPr lang="en-GB" smtClean="0"/>
-              <a:t>10/03/2021</a:t>
+              <a:t>10/03/2022</a:t>
             </a:fld>
             <a:endParaRPr lang="en-GB"/>
           </a:p>
@@ -2692,7 +2692,7 @@
           <a:p>
             <a:fld id="{A533EB26-2E25-4466-BA1F-4ED20A958A47}" type="datetimeFigureOut">
               <a:rPr lang="en-GB" smtClean="0"/>
-              <a:t>10/03/2021</a:t>
+              <a:t>10/03/2022</a:t>
             </a:fld>
             <a:endParaRPr lang="en-GB"/>
           </a:p>
@@ -2935,7 +2935,7 @@
           <a:p>
             <a:fld id="{A533EB26-2E25-4466-BA1F-4ED20A958A47}" type="datetimeFigureOut">
               <a:rPr lang="en-GB" smtClean="0"/>
-              <a:t>10/03/2021</a:t>
+              <a:t>10/03/2022</a:t>
             </a:fld>
             <a:endParaRPr lang="en-GB"/>
           </a:p>
@@ -4564,6 +4564,36 @@
             </a:r>
           </a:p>
           <a:p>
+            <a:pPr marL="0" indent="0">
+              <a:buNone/>
+            </a:pPr>
+            <a:endParaRPr lang="en-GB" dirty="0">
+              <a:solidFill>
+                <a:srgbClr val="FF0000"/>
+              </a:solidFill>
+            </a:endParaRPr>
+          </a:p>
+          <a:p>
+            <a:pPr marL="0" indent="0">
+              <a:buNone/>
+            </a:pPr>
+            <a:r>
+              <a:rPr lang="en-GB" dirty="0"/>
+              <a:t>(note it would be better to use </a:t>
+            </a:r>
+            <a:r>
+              <a:rPr lang="en-GB" dirty="0" err="1"/>
+              <a:t>sym</a:t>
+            </a:r>
+            <a:r>
+              <a:rPr lang="en-GB" dirty="0"/>
+              <a:t> links for the data, rather than copying it).</a:t>
+            </a:r>
+          </a:p>
+          <a:p>
+            <a:pPr marL="0" indent="0">
+              <a:buNone/>
+            </a:pPr>
             <a:endParaRPr lang="en-GB" dirty="0"/>
           </a:p>
           <a:p>
